--- a/Abbildungen/feld samples/LTP Diagramm.pptx
+++ b/Abbildungen/feld samples/LTP Diagramm.pptx
@@ -104,11 +104,27 @@
       </a:defRPr>
     </a:lvl9pPr>
   </p:defaultTextStyle>
+  <p:extLst>
+    <p:ext uri="{EFAFB233-063F-42B5-8137-9DF3F51BA10A}">
+      <p15:sldGuideLst xmlns:p15="http://schemas.microsoft.com/office/powerpoint/2012/main">
+        <p15:guide id="1" orient="horz" pos="2160">
+          <p15:clr>
+            <a:srgbClr val="A4A3A4"/>
+          </p15:clr>
+        </p15:guide>
+        <p15:guide id="2" pos="2880">
+          <p15:clr>
+            <a:srgbClr val="A4A3A4"/>
+          </p15:clr>
+        </p15:guide>
+      </p15:sldGuideLst>
+    </p:ext>
+  </p:extLst>
 </p:presentation>
 </file>
 
 <file path=ppt/charts/chart1.xml><?xml version="1.0" encoding="utf-8"?>
-<c:chartSpace xmlns:c="http://schemas.openxmlformats.org/drawingml/2006/chart" xmlns:a="http://schemas.openxmlformats.org/drawingml/2006/main" xmlns:r="http://schemas.openxmlformats.org/officeDocument/2006/relationships">
+<c:chartSpace xmlns:c="http://schemas.openxmlformats.org/drawingml/2006/chart" xmlns:a="http://schemas.openxmlformats.org/drawingml/2006/main" xmlns:r="http://schemas.openxmlformats.org/officeDocument/2006/relationships" xmlns:c16r2="http://schemas.microsoft.com/office/drawing/2015/06/chart">
   <c:date1904 val="0"/>
   <c:lang val="de-DE"/>
   <c:roundedCorners val="0"/>
@@ -167,7 +183,6 @@
           <c:dLbls>
             <c:dLbl>
               <c:idx val="0"/>
-              <c:layout/>
               <c:tx>
                 <c:rich>
                   <a:bodyPr/>
@@ -191,10 +206,15 @@
               <c:showSerName val="0"/>
               <c:showPercent val="0"/>
               <c:showBubbleSize val="0"/>
+              <c:extLst>
+                <c:ext xmlns:c15="http://schemas.microsoft.com/office/drawing/2012/chart" uri="{CE6537A1-D6FC-4f65-9D91-7224C49458BB}"/>
+                <c:ext xmlns:c16="http://schemas.microsoft.com/office/drawing/2014/chart" uri="{C3380CC4-5D6E-409C-BE32-E72D297353CC}">
+                  <c16:uniqueId val="{00000000-186D-49D8-9678-9A50D437B293}"/>
+                </c:ext>
+              </c:extLst>
             </c:dLbl>
             <c:dLbl>
               <c:idx val="1"/>
-              <c:layout/>
               <c:tx>
                 <c:rich>
                   <a:bodyPr/>
@@ -218,7 +238,20 @@
               <c:showSerName val="0"/>
               <c:showPercent val="0"/>
               <c:showBubbleSize val="0"/>
+              <c:extLst>
+                <c:ext xmlns:c15="http://schemas.microsoft.com/office/drawing/2012/chart" uri="{CE6537A1-D6FC-4f65-9D91-7224C49458BB}"/>
+                <c:ext xmlns:c16="http://schemas.microsoft.com/office/drawing/2014/chart" uri="{C3380CC4-5D6E-409C-BE32-E72D297353CC}">
+                  <c16:uniqueId val="{00000001-186D-49D8-9678-9A50D437B293}"/>
+                </c:ext>
+              </c:extLst>
             </c:dLbl>
+            <c:spPr>
+              <a:noFill/>
+              <a:ln>
+                <a:noFill/>
+              </a:ln>
+              <a:effectLst/>
+            </c:spPr>
             <c:dLblPos val="inBase"/>
             <c:showLegendKey val="0"/>
             <c:showVal val="1"/>
@@ -227,6 +260,11 @@
             <c:showPercent val="0"/>
             <c:showBubbleSize val="0"/>
             <c:showLeaderLines val="0"/>
+            <c:extLst>
+              <c:ext xmlns:c15="http://schemas.microsoft.com/office/drawing/2012/chart" uri="{CE6537A1-D6FC-4f65-9D91-7224C49458BB}">
+                <c15:showLeaderLines val="0"/>
+              </c:ext>
+            </c:extLst>
           </c:dLbls>
           <c:errBars>
             <c:errBarType val="both"/>
@@ -252,10 +290,10 @@
               <c:strCache>
                 <c:ptCount val="2"/>
                 <c:pt idx="0">
-                  <c:v>Kontrolltiere</c:v>
+                  <c:v>Unbehandelte Ttiere</c:v>
                 </c:pt>
                 <c:pt idx="1">
-                  <c:v>Pilo-Tiere</c:v>
+                  <c:v>Pilocarpinbehandelte Tiere</c:v>
                 </c:pt>
               </c:strCache>
             </c:strRef>
@@ -267,14 +305,19 @@
                 <c:formatCode>General</c:formatCode>
                 <c:ptCount val="2"/>
                 <c:pt idx="0">
-                  <c:v>110.80320527416532</c:v>
+                  <c:v>110.80320527416499</c:v>
                 </c:pt>
                 <c:pt idx="1">
-                  <c:v>127.34804875038799</c:v>
+                  <c:v>127.348048750388</c:v>
                 </c:pt>
               </c:numCache>
             </c:numRef>
           </c:val>
+          <c:extLst>
+            <c:ext xmlns:c16="http://schemas.microsoft.com/office/drawing/2014/chart" uri="{C3380CC4-5D6E-409C-BE32-E72D297353CC}">
+              <c16:uniqueId val="{00000002-186D-49D8-9678-9A50D437B293}"/>
+            </c:ext>
+          </c:extLst>
         </c:ser>
         <c:ser>
           <c:idx val="1"/>
@@ -305,7 +348,6 @@
           <c:dLbls>
             <c:dLbl>
               <c:idx val="0"/>
-              <c:layout/>
               <c:tx>
                 <c:rich>
                   <a:bodyPr/>
@@ -333,10 +375,15 @@
               <c:showSerName val="0"/>
               <c:showPercent val="0"/>
               <c:showBubbleSize val="0"/>
+              <c:extLst>
+                <c:ext xmlns:c15="http://schemas.microsoft.com/office/drawing/2012/chart" uri="{CE6537A1-D6FC-4f65-9D91-7224C49458BB}"/>
+                <c:ext xmlns:c16="http://schemas.microsoft.com/office/drawing/2014/chart" uri="{C3380CC4-5D6E-409C-BE32-E72D297353CC}">
+                  <c16:uniqueId val="{00000003-186D-49D8-9678-9A50D437B293}"/>
+                </c:ext>
+              </c:extLst>
             </c:dLbl>
             <c:dLbl>
               <c:idx val="1"/>
-              <c:layout/>
               <c:tx>
                 <c:rich>
                   <a:bodyPr/>
@@ -364,7 +411,20 @@
               <c:showSerName val="0"/>
               <c:showPercent val="0"/>
               <c:showBubbleSize val="0"/>
+              <c:extLst>
+                <c:ext xmlns:c15="http://schemas.microsoft.com/office/drawing/2012/chart" uri="{CE6537A1-D6FC-4f65-9D91-7224C49458BB}"/>
+                <c:ext xmlns:c16="http://schemas.microsoft.com/office/drawing/2014/chart" uri="{C3380CC4-5D6E-409C-BE32-E72D297353CC}">
+                  <c16:uniqueId val="{00000004-186D-49D8-9678-9A50D437B293}"/>
+                </c:ext>
+              </c:extLst>
             </c:dLbl>
+            <c:spPr>
+              <a:noFill/>
+              <a:ln>
+                <a:noFill/>
+              </a:ln>
+              <a:effectLst/>
+            </c:spPr>
             <c:dLblPos val="inBase"/>
             <c:showLegendKey val="0"/>
             <c:showVal val="1"/>
@@ -373,6 +433,11 @@
             <c:showPercent val="0"/>
             <c:showBubbleSize val="0"/>
             <c:showLeaderLines val="0"/>
+            <c:extLst>
+              <c:ext xmlns:c15="http://schemas.microsoft.com/office/drawing/2012/chart" uri="{CE6537A1-D6FC-4f65-9D91-7224C49458BB}">
+                <c15:showLeaderLines val="0"/>
+              </c:ext>
+            </c:extLst>
           </c:dLbls>
           <c:errBars>
             <c:errBarType val="both"/>
@@ -398,10 +463,10 @@
               <c:strCache>
                 <c:ptCount val="2"/>
                 <c:pt idx="0">
-                  <c:v>Kontrolltiere</c:v>
+                  <c:v>Unbehandelte Ttiere</c:v>
                 </c:pt>
                 <c:pt idx="1">
-                  <c:v>Pilo-Tiere</c:v>
+                  <c:v>Pilocarpinbehandelte Tiere</c:v>
                 </c:pt>
               </c:strCache>
             </c:strRef>
@@ -413,14 +478,19 @@
                 <c:formatCode>General</c:formatCode>
                 <c:ptCount val="2"/>
                 <c:pt idx="0">
-                  <c:v>113.84781577130715</c:v>
+                  <c:v>113.847815771307</c:v>
                 </c:pt>
                 <c:pt idx="1">
-                  <c:v>108.10656614197171</c:v>
+                  <c:v>108.106566141972</c:v>
                 </c:pt>
               </c:numCache>
             </c:numRef>
           </c:val>
+          <c:extLst>
+            <c:ext xmlns:c16="http://schemas.microsoft.com/office/drawing/2014/chart" uri="{C3380CC4-5D6E-409C-BE32-E72D297353CC}">
+              <c16:uniqueId val="{00000005-186D-49D8-9678-9A50D437B293}"/>
+            </c:ext>
+          </c:extLst>
         </c:ser>
         <c:dLbls>
           <c:showLegendKey val="0"/>
@@ -489,11 +559,10 @@
         <c:axPos val="l"/>
         <c:majorGridlines>
           <c:spPr>
-            <a:ln w="9525" cap="flat" cmpd="sng" algn="ctr">
+            <a:ln w="12700" cap="flat" cmpd="sng" algn="ctr">
               <a:solidFill>
-                <a:schemeClr val="tx1">
-                  <a:lumMod val="15000"/>
-                  <a:lumOff val="85000"/>
+                <a:schemeClr val="bg1">
+                  <a:lumMod val="50000"/>
                 </a:schemeClr>
               </a:solidFill>
               <a:round/>
@@ -523,12 +592,27 @@
                       <a:schemeClr val="tx1"/>
                     </a:solidFill>
                   </a:rPr>
-                  <a:t>LTP (Prozent der BL)</a:t>
+                  <a:t>LTP (Prozent des</a:t>
+                </a:r>
+                <a:r>
+                  <a:rPr lang="de-DE" sz="1600" b="1" baseline="0" dirty="0">
+                    <a:solidFill>
+                      <a:schemeClr val="tx1"/>
+                    </a:solidFill>
+                  </a:rPr>
+                  <a:t> Ausgangsniveaus</a:t>
+                </a:r>
+                <a:r>
+                  <a:rPr lang="de-DE" sz="1600" b="1" dirty="0">
+                    <a:solidFill>
+                      <a:schemeClr val="tx1"/>
+                    </a:solidFill>
+                  </a:rPr>
+                  <a:t>)</a:t>
                 </a:r>
               </a:p>
             </c:rich>
           </c:tx>
-          <c:layout/>
           <c:overlay val="0"/>
           <c:spPr>
             <a:noFill/>
@@ -691,10 +775,9 @@
           <a:lstStyle/>
           <a:p>
             <a:r>
-              <a:rPr lang="de-DE" smtClean="0"/>
+              <a:rPr lang="de-DE"/>
               <a:t>Titelmasterformat durch Klicken bearbeiten</a:t>
             </a:r>
-            <a:endParaRPr lang="de-DE"/>
           </a:p>
         </p:txBody>
       </p:sp>
@@ -810,10 +893,9 @@
           </a:lstStyle>
           <a:p>
             <a:r>
-              <a:rPr lang="de-DE" smtClean="0"/>
+              <a:rPr lang="de-DE"/>
               <a:t>Formatvorlage des Untertitelmasters durch Klicken bearbeiten</a:t>
             </a:r>
-            <a:endParaRPr lang="de-DE"/>
           </a:p>
         </p:txBody>
       </p:sp>
@@ -834,7 +916,7 @@
           <a:p>
             <a:fld id="{55A02C78-9B35-4B8A-8CD7-1163146E8970}" type="datetimeFigureOut">
               <a:rPr lang="de-DE" smtClean="0"/>
-              <a:t>21.06.2017</a:t>
+              <a:t>23.09.2018</a:t>
             </a:fld>
             <a:endParaRPr lang="de-DE"/>
           </a:p>
@@ -928,10 +1010,9 @@
           <a:lstStyle/>
           <a:p>
             <a:r>
-              <a:rPr lang="de-DE" smtClean="0"/>
+              <a:rPr lang="de-DE"/>
               <a:t>Titelmasterformat durch Klicken bearbeiten</a:t>
             </a:r>
-            <a:endParaRPr lang="de-DE"/>
           </a:p>
         </p:txBody>
       </p:sp>
@@ -952,38 +1033,37 @@
           <a:p>
             <a:pPr lvl="0"/>
             <a:r>
-              <a:rPr lang="de-DE" smtClean="0"/>
+              <a:rPr lang="de-DE"/>
               <a:t>Textmasterformat bearbeiten</a:t>
             </a:r>
           </a:p>
           <a:p>
             <a:pPr lvl="1"/>
             <a:r>
-              <a:rPr lang="de-DE" smtClean="0"/>
+              <a:rPr lang="de-DE"/>
               <a:t>Zweite Ebene</a:t>
             </a:r>
           </a:p>
           <a:p>
             <a:pPr lvl="2"/>
             <a:r>
-              <a:rPr lang="de-DE" smtClean="0"/>
+              <a:rPr lang="de-DE"/>
               <a:t>Dritte Ebene</a:t>
             </a:r>
           </a:p>
           <a:p>
             <a:pPr lvl="3"/>
             <a:r>
-              <a:rPr lang="de-DE" smtClean="0"/>
+              <a:rPr lang="de-DE"/>
               <a:t>Vierte Ebene</a:t>
             </a:r>
           </a:p>
           <a:p>
             <a:pPr lvl="4"/>
             <a:r>
-              <a:rPr lang="de-DE" smtClean="0"/>
+              <a:rPr lang="de-DE"/>
               <a:t>Fünfte Ebene</a:t>
             </a:r>
-            <a:endParaRPr lang="de-DE"/>
           </a:p>
         </p:txBody>
       </p:sp>
@@ -1004,7 +1084,7 @@
           <a:p>
             <a:fld id="{55A02C78-9B35-4B8A-8CD7-1163146E8970}" type="datetimeFigureOut">
               <a:rPr lang="de-DE" smtClean="0"/>
-              <a:t>21.06.2017</a:t>
+              <a:t>23.09.2018</a:t>
             </a:fld>
             <a:endParaRPr lang="de-DE"/>
           </a:p>
@@ -1103,10 +1183,9 @@
           <a:lstStyle/>
           <a:p>
             <a:r>
-              <a:rPr lang="de-DE" smtClean="0"/>
+              <a:rPr lang="de-DE"/>
               <a:t>Titelmasterformat durch Klicken bearbeiten</a:t>
             </a:r>
-            <a:endParaRPr lang="de-DE"/>
           </a:p>
         </p:txBody>
       </p:sp>
@@ -1132,38 +1211,37 @@
           <a:p>
             <a:pPr lvl="0"/>
             <a:r>
-              <a:rPr lang="de-DE" smtClean="0"/>
+              <a:rPr lang="de-DE"/>
               <a:t>Textmasterformat bearbeiten</a:t>
             </a:r>
           </a:p>
           <a:p>
             <a:pPr lvl="1"/>
             <a:r>
-              <a:rPr lang="de-DE" smtClean="0"/>
+              <a:rPr lang="de-DE"/>
               <a:t>Zweite Ebene</a:t>
             </a:r>
           </a:p>
           <a:p>
             <a:pPr lvl="2"/>
             <a:r>
-              <a:rPr lang="de-DE" smtClean="0"/>
+              <a:rPr lang="de-DE"/>
               <a:t>Dritte Ebene</a:t>
             </a:r>
           </a:p>
           <a:p>
             <a:pPr lvl="3"/>
             <a:r>
-              <a:rPr lang="de-DE" smtClean="0"/>
+              <a:rPr lang="de-DE"/>
               <a:t>Vierte Ebene</a:t>
             </a:r>
           </a:p>
           <a:p>
             <a:pPr lvl="4"/>
             <a:r>
-              <a:rPr lang="de-DE" smtClean="0"/>
+              <a:rPr lang="de-DE"/>
               <a:t>Fünfte Ebene</a:t>
             </a:r>
-            <a:endParaRPr lang="de-DE"/>
           </a:p>
         </p:txBody>
       </p:sp>
@@ -1184,7 +1262,7 @@
           <a:p>
             <a:fld id="{55A02C78-9B35-4B8A-8CD7-1163146E8970}" type="datetimeFigureOut">
               <a:rPr lang="de-DE" smtClean="0"/>
-              <a:t>21.06.2017</a:t>
+              <a:t>23.09.2018</a:t>
             </a:fld>
             <a:endParaRPr lang="de-DE"/>
           </a:p>
@@ -1278,10 +1356,9 @@
           <a:lstStyle/>
           <a:p>
             <a:r>
-              <a:rPr lang="de-DE" smtClean="0"/>
+              <a:rPr lang="de-DE"/>
               <a:t>Titelmasterformat durch Klicken bearbeiten</a:t>
             </a:r>
-            <a:endParaRPr lang="de-DE"/>
           </a:p>
         </p:txBody>
       </p:sp>
@@ -1302,38 +1379,37 @@
           <a:p>
             <a:pPr lvl="0"/>
             <a:r>
-              <a:rPr lang="de-DE" smtClean="0"/>
+              <a:rPr lang="de-DE"/>
               <a:t>Textmasterformat bearbeiten</a:t>
             </a:r>
           </a:p>
           <a:p>
             <a:pPr lvl="1"/>
             <a:r>
-              <a:rPr lang="de-DE" smtClean="0"/>
+              <a:rPr lang="de-DE"/>
               <a:t>Zweite Ebene</a:t>
             </a:r>
           </a:p>
           <a:p>
             <a:pPr lvl="2"/>
             <a:r>
-              <a:rPr lang="de-DE" smtClean="0"/>
+              <a:rPr lang="de-DE"/>
               <a:t>Dritte Ebene</a:t>
             </a:r>
           </a:p>
           <a:p>
             <a:pPr lvl="3"/>
             <a:r>
-              <a:rPr lang="de-DE" smtClean="0"/>
+              <a:rPr lang="de-DE"/>
               <a:t>Vierte Ebene</a:t>
             </a:r>
           </a:p>
           <a:p>
             <a:pPr lvl="4"/>
             <a:r>
-              <a:rPr lang="de-DE" smtClean="0"/>
+              <a:rPr lang="de-DE"/>
               <a:t>Fünfte Ebene</a:t>
             </a:r>
-            <a:endParaRPr lang="de-DE"/>
           </a:p>
         </p:txBody>
       </p:sp>
@@ -1354,7 +1430,7 @@
           <a:p>
             <a:fld id="{55A02C78-9B35-4B8A-8CD7-1163146E8970}" type="datetimeFigureOut">
               <a:rPr lang="de-DE" smtClean="0"/>
-              <a:t>21.06.2017</a:t>
+              <a:t>23.09.2018</a:t>
             </a:fld>
             <a:endParaRPr lang="de-DE"/>
           </a:p>
@@ -1457,10 +1533,9 @@
           </a:lstStyle>
           <a:p>
             <a:r>
-              <a:rPr lang="de-DE" smtClean="0"/>
+              <a:rPr lang="de-DE"/>
               <a:t>Titelmasterformat durch Klicken bearbeiten</a:t>
             </a:r>
-            <a:endParaRPr lang="de-DE"/>
           </a:p>
         </p:txBody>
       </p:sp>
@@ -1577,7 +1652,7 @@
           <a:p>
             <a:pPr lvl="0"/>
             <a:r>
-              <a:rPr lang="de-DE" smtClean="0"/>
+              <a:rPr lang="de-DE"/>
               <a:t>Textmasterformat bearbeiten</a:t>
             </a:r>
           </a:p>
@@ -1600,7 +1675,7 @@
           <a:p>
             <a:fld id="{55A02C78-9B35-4B8A-8CD7-1163146E8970}" type="datetimeFigureOut">
               <a:rPr lang="de-DE" smtClean="0"/>
-              <a:t>21.06.2017</a:t>
+              <a:t>23.09.2018</a:t>
             </a:fld>
             <a:endParaRPr lang="de-DE"/>
           </a:p>
@@ -1694,10 +1769,9 @@
           <a:lstStyle/>
           <a:p>
             <a:r>
-              <a:rPr lang="de-DE" smtClean="0"/>
+              <a:rPr lang="de-DE"/>
               <a:t>Titelmasterformat durch Klicken bearbeiten</a:t>
             </a:r>
-            <a:endParaRPr lang="de-DE"/>
           </a:p>
         </p:txBody>
       </p:sp>
@@ -1751,38 +1825,37 @@
           <a:p>
             <a:pPr lvl="0"/>
             <a:r>
-              <a:rPr lang="de-DE" smtClean="0"/>
+              <a:rPr lang="de-DE"/>
               <a:t>Textmasterformat bearbeiten</a:t>
             </a:r>
           </a:p>
           <a:p>
             <a:pPr lvl="1"/>
             <a:r>
-              <a:rPr lang="de-DE" smtClean="0"/>
+              <a:rPr lang="de-DE"/>
               <a:t>Zweite Ebene</a:t>
             </a:r>
           </a:p>
           <a:p>
             <a:pPr lvl="2"/>
             <a:r>
-              <a:rPr lang="de-DE" smtClean="0"/>
+              <a:rPr lang="de-DE"/>
               <a:t>Dritte Ebene</a:t>
             </a:r>
           </a:p>
           <a:p>
             <a:pPr lvl="3"/>
             <a:r>
-              <a:rPr lang="de-DE" smtClean="0"/>
+              <a:rPr lang="de-DE"/>
               <a:t>Vierte Ebene</a:t>
             </a:r>
           </a:p>
           <a:p>
             <a:pPr lvl="4"/>
             <a:r>
-              <a:rPr lang="de-DE" smtClean="0"/>
+              <a:rPr lang="de-DE"/>
               <a:t>Fünfte Ebene</a:t>
             </a:r>
-            <a:endParaRPr lang="de-DE"/>
           </a:p>
         </p:txBody>
       </p:sp>
@@ -1836,38 +1909,37 @@
           <a:p>
             <a:pPr lvl="0"/>
             <a:r>
-              <a:rPr lang="de-DE" smtClean="0"/>
+              <a:rPr lang="de-DE"/>
               <a:t>Textmasterformat bearbeiten</a:t>
             </a:r>
           </a:p>
           <a:p>
             <a:pPr lvl="1"/>
             <a:r>
-              <a:rPr lang="de-DE" smtClean="0"/>
+              <a:rPr lang="de-DE"/>
               <a:t>Zweite Ebene</a:t>
             </a:r>
           </a:p>
           <a:p>
             <a:pPr lvl="2"/>
             <a:r>
-              <a:rPr lang="de-DE" smtClean="0"/>
+              <a:rPr lang="de-DE"/>
               <a:t>Dritte Ebene</a:t>
             </a:r>
           </a:p>
           <a:p>
             <a:pPr lvl="3"/>
             <a:r>
-              <a:rPr lang="de-DE" smtClean="0"/>
+              <a:rPr lang="de-DE"/>
               <a:t>Vierte Ebene</a:t>
             </a:r>
           </a:p>
           <a:p>
             <a:pPr lvl="4"/>
             <a:r>
-              <a:rPr lang="de-DE" smtClean="0"/>
+              <a:rPr lang="de-DE"/>
               <a:t>Fünfte Ebene</a:t>
             </a:r>
-            <a:endParaRPr lang="de-DE"/>
           </a:p>
         </p:txBody>
       </p:sp>
@@ -1888,7 +1960,7 @@
           <a:p>
             <a:fld id="{55A02C78-9B35-4B8A-8CD7-1163146E8970}" type="datetimeFigureOut">
               <a:rPr lang="de-DE" smtClean="0"/>
-              <a:t>21.06.2017</a:t>
+              <a:t>23.09.2018</a:t>
             </a:fld>
             <a:endParaRPr lang="de-DE"/>
           </a:p>
@@ -1986,10 +2058,9 @@
           </a:lstStyle>
           <a:p>
             <a:r>
-              <a:rPr lang="de-DE" smtClean="0"/>
+              <a:rPr lang="de-DE"/>
               <a:t>Titelmasterformat durch Klicken bearbeiten</a:t>
             </a:r>
-            <a:endParaRPr lang="de-DE"/>
           </a:p>
         </p:txBody>
       </p:sp>
@@ -2052,7 +2123,7 @@
           <a:p>
             <a:pPr lvl="0"/>
             <a:r>
-              <a:rPr lang="de-DE" smtClean="0"/>
+              <a:rPr lang="de-DE"/>
               <a:t>Textmasterformat bearbeiten</a:t>
             </a:r>
           </a:p>
@@ -2108,38 +2179,37 @@
           <a:p>
             <a:pPr lvl="0"/>
             <a:r>
-              <a:rPr lang="de-DE" smtClean="0"/>
+              <a:rPr lang="de-DE"/>
               <a:t>Textmasterformat bearbeiten</a:t>
             </a:r>
           </a:p>
           <a:p>
             <a:pPr lvl="1"/>
             <a:r>
-              <a:rPr lang="de-DE" smtClean="0"/>
+              <a:rPr lang="de-DE"/>
               <a:t>Zweite Ebene</a:t>
             </a:r>
           </a:p>
           <a:p>
             <a:pPr lvl="2"/>
             <a:r>
-              <a:rPr lang="de-DE" smtClean="0"/>
+              <a:rPr lang="de-DE"/>
               <a:t>Dritte Ebene</a:t>
             </a:r>
           </a:p>
           <a:p>
             <a:pPr lvl="3"/>
             <a:r>
-              <a:rPr lang="de-DE" smtClean="0"/>
+              <a:rPr lang="de-DE"/>
               <a:t>Vierte Ebene</a:t>
             </a:r>
           </a:p>
           <a:p>
             <a:pPr lvl="4"/>
             <a:r>
-              <a:rPr lang="de-DE" smtClean="0"/>
+              <a:rPr lang="de-DE"/>
               <a:t>Fünfte Ebene</a:t>
             </a:r>
-            <a:endParaRPr lang="de-DE"/>
           </a:p>
         </p:txBody>
       </p:sp>
@@ -2202,7 +2272,7 @@
           <a:p>
             <a:pPr lvl="0"/>
             <a:r>
-              <a:rPr lang="de-DE" smtClean="0"/>
+              <a:rPr lang="de-DE"/>
               <a:t>Textmasterformat bearbeiten</a:t>
             </a:r>
           </a:p>
@@ -2258,38 +2328,37 @@
           <a:p>
             <a:pPr lvl="0"/>
             <a:r>
-              <a:rPr lang="de-DE" smtClean="0"/>
+              <a:rPr lang="de-DE"/>
               <a:t>Textmasterformat bearbeiten</a:t>
             </a:r>
           </a:p>
           <a:p>
             <a:pPr lvl="1"/>
             <a:r>
-              <a:rPr lang="de-DE" smtClean="0"/>
+              <a:rPr lang="de-DE"/>
               <a:t>Zweite Ebene</a:t>
             </a:r>
           </a:p>
           <a:p>
             <a:pPr lvl="2"/>
             <a:r>
-              <a:rPr lang="de-DE" smtClean="0"/>
+              <a:rPr lang="de-DE"/>
               <a:t>Dritte Ebene</a:t>
             </a:r>
           </a:p>
           <a:p>
             <a:pPr lvl="3"/>
             <a:r>
-              <a:rPr lang="de-DE" smtClean="0"/>
+              <a:rPr lang="de-DE"/>
               <a:t>Vierte Ebene</a:t>
             </a:r>
           </a:p>
           <a:p>
             <a:pPr lvl="4"/>
             <a:r>
-              <a:rPr lang="de-DE" smtClean="0"/>
+              <a:rPr lang="de-DE"/>
               <a:t>Fünfte Ebene</a:t>
             </a:r>
-            <a:endParaRPr lang="de-DE"/>
           </a:p>
         </p:txBody>
       </p:sp>
@@ -2310,7 +2379,7 @@
           <a:p>
             <a:fld id="{55A02C78-9B35-4B8A-8CD7-1163146E8970}" type="datetimeFigureOut">
               <a:rPr lang="de-DE" smtClean="0"/>
-              <a:t>21.06.2017</a:t>
+              <a:t>23.09.2018</a:t>
             </a:fld>
             <a:endParaRPr lang="de-DE"/>
           </a:p>
@@ -2404,10 +2473,9 @@
           <a:lstStyle/>
           <a:p>
             <a:r>
-              <a:rPr lang="de-DE" smtClean="0"/>
+              <a:rPr lang="de-DE"/>
               <a:t>Titelmasterformat durch Klicken bearbeiten</a:t>
             </a:r>
-            <a:endParaRPr lang="de-DE"/>
           </a:p>
         </p:txBody>
       </p:sp>
@@ -2428,7 +2496,7 @@
           <a:p>
             <a:fld id="{55A02C78-9B35-4B8A-8CD7-1163146E8970}" type="datetimeFigureOut">
               <a:rPr lang="de-DE" smtClean="0"/>
-              <a:t>21.06.2017</a:t>
+              <a:t>23.09.2018</a:t>
             </a:fld>
             <a:endParaRPr lang="de-DE"/>
           </a:p>
@@ -2523,7 +2591,7 @@
           <a:p>
             <a:fld id="{55A02C78-9B35-4B8A-8CD7-1163146E8970}" type="datetimeFigureOut">
               <a:rPr lang="de-DE" smtClean="0"/>
-              <a:t>21.06.2017</a:t>
+              <a:t>23.09.2018</a:t>
             </a:fld>
             <a:endParaRPr lang="de-DE"/>
           </a:p>
@@ -2626,10 +2694,9 @@
           </a:lstStyle>
           <a:p>
             <a:r>
-              <a:rPr lang="de-DE" smtClean="0"/>
+              <a:rPr lang="de-DE"/>
               <a:t>Titelmasterformat durch Klicken bearbeiten</a:t>
             </a:r>
-            <a:endParaRPr lang="de-DE"/>
           </a:p>
         </p:txBody>
       </p:sp>
@@ -2683,38 +2750,37 @@
           <a:p>
             <a:pPr lvl="0"/>
             <a:r>
-              <a:rPr lang="de-DE" smtClean="0"/>
+              <a:rPr lang="de-DE"/>
               <a:t>Textmasterformat bearbeiten</a:t>
             </a:r>
           </a:p>
           <a:p>
             <a:pPr lvl="1"/>
             <a:r>
-              <a:rPr lang="de-DE" smtClean="0"/>
+              <a:rPr lang="de-DE"/>
               <a:t>Zweite Ebene</a:t>
             </a:r>
           </a:p>
           <a:p>
             <a:pPr lvl="2"/>
             <a:r>
-              <a:rPr lang="de-DE" smtClean="0"/>
+              <a:rPr lang="de-DE"/>
               <a:t>Dritte Ebene</a:t>
             </a:r>
           </a:p>
           <a:p>
             <a:pPr lvl="3"/>
             <a:r>
-              <a:rPr lang="de-DE" smtClean="0"/>
+              <a:rPr lang="de-DE"/>
               <a:t>Vierte Ebene</a:t>
             </a:r>
           </a:p>
           <a:p>
             <a:pPr lvl="4"/>
             <a:r>
-              <a:rPr lang="de-DE" smtClean="0"/>
+              <a:rPr lang="de-DE"/>
               <a:t>Fünfte Ebene</a:t>
             </a:r>
-            <a:endParaRPr lang="de-DE"/>
           </a:p>
         </p:txBody>
       </p:sp>
@@ -2777,7 +2843,7 @@
           <a:p>
             <a:pPr lvl="0"/>
             <a:r>
-              <a:rPr lang="de-DE" smtClean="0"/>
+              <a:rPr lang="de-DE"/>
               <a:t>Textmasterformat bearbeiten</a:t>
             </a:r>
           </a:p>
@@ -2800,7 +2866,7 @@
           <a:p>
             <a:fld id="{55A02C78-9B35-4B8A-8CD7-1163146E8970}" type="datetimeFigureOut">
               <a:rPr lang="de-DE" smtClean="0"/>
-              <a:t>21.06.2017</a:t>
+              <a:t>23.09.2018</a:t>
             </a:fld>
             <a:endParaRPr lang="de-DE"/>
           </a:p>
@@ -2903,10 +2969,9 @@
           </a:lstStyle>
           <a:p>
             <a:r>
-              <a:rPr lang="de-DE" smtClean="0"/>
+              <a:rPr lang="de-DE"/>
               <a:t>Titelmasterformat durch Klicken bearbeiten</a:t>
             </a:r>
-            <a:endParaRPr lang="de-DE"/>
           </a:p>
         </p:txBody>
       </p:sp>
@@ -3030,7 +3095,7 @@
           <a:p>
             <a:pPr lvl="0"/>
             <a:r>
-              <a:rPr lang="de-DE" smtClean="0"/>
+              <a:rPr lang="de-DE"/>
               <a:t>Textmasterformat bearbeiten</a:t>
             </a:r>
           </a:p>
@@ -3053,7 +3118,7 @@
           <a:p>
             <a:fld id="{55A02C78-9B35-4B8A-8CD7-1163146E8970}" type="datetimeFigureOut">
               <a:rPr lang="de-DE" smtClean="0"/>
-              <a:t>21.06.2017</a:t>
+              <a:t>23.09.2018</a:t>
             </a:fld>
             <a:endParaRPr lang="de-DE"/>
           </a:p>
@@ -3162,10 +3227,9 @@
           <a:lstStyle/>
           <a:p>
             <a:r>
-              <a:rPr lang="de-DE" smtClean="0"/>
+              <a:rPr lang="de-DE"/>
               <a:t>Titelmasterformat durch Klicken bearbeiten</a:t>
             </a:r>
-            <a:endParaRPr lang="de-DE"/>
           </a:p>
         </p:txBody>
       </p:sp>
@@ -3196,38 +3260,37 @@
           <a:p>
             <a:pPr lvl="0"/>
             <a:r>
-              <a:rPr lang="de-DE" smtClean="0"/>
+              <a:rPr lang="de-DE"/>
               <a:t>Textmasterformat bearbeiten</a:t>
             </a:r>
           </a:p>
           <a:p>
             <a:pPr lvl="1"/>
             <a:r>
-              <a:rPr lang="de-DE" smtClean="0"/>
+              <a:rPr lang="de-DE"/>
               <a:t>Zweite Ebene</a:t>
             </a:r>
           </a:p>
           <a:p>
             <a:pPr lvl="2"/>
             <a:r>
-              <a:rPr lang="de-DE" smtClean="0"/>
+              <a:rPr lang="de-DE"/>
               <a:t>Dritte Ebene</a:t>
             </a:r>
           </a:p>
           <a:p>
             <a:pPr lvl="3"/>
             <a:r>
-              <a:rPr lang="de-DE" smtClean="0"/>
+              <a:rPr lang="de-DE"/>
               <a:t>Vierte Ebene</a:t>
             </a:r>
           </a:p>
           <a:p>
             <a:pPr lvl="4"/>
             <a:r>
-              <a:rPr lang="de-DE" smtClean="0"/>
+              <a:rPr lang="de-DE"/>
               <a:t>Fünfte Ebene</a:t>
             </a:r>
-            <a:endParaRPr lang="de-DE"/>
           </a:p>
         </p:txBody>
       </p:sp>
@@ -3266,7 +3329,7 @@
           <a:p>
             <a:fld id="{55A02C78-9B35-4B8A-8CD7-1163146E8970}" type="datetimeFigureOut">
               <a:rPr lang="de-DE" smtClean="0"/>
-              <a:t>21.06.2017</a:t>
+              <a:t>23.09.2018</a:t>
             </a:fld>
             <a:endParaRPr lang="de-DE"/>
           </a:p>
@@ -3650,7 +3713,7 @@
           <p:nvPr>
             <p:extLst>
               <p:ext uri="{D42A27DB-BD31-4B8C-83A1-F6EECF244321}">
-                <p14:modId xmlns:p14="http://schemas.microsoft.com/office/powerpoint/2010/main" val="2203718729"/>
+                <p14:modId xmlns:p14="http://schemas.microsoft.com/office/powerpoint/2010/main" val="1089524287"/>
               </p:ext>
             </p:extLst>
           </p:nvPr>
